--- a/_raw/algorithm.pptx
+++ b/_raw/algorithm.pptx
@@ -104,6 +104,11 @@
       </a:defRPr>
     </a:lvl9pPr>
   </p:defaultTextStyle>
+  <p:extLst>
+    <p:ext uri="{EFAFB233-063F-42B5-8137-9DF3F51BA10A}">
+      <p15:sldGuideLst xmlns:p15="http://schemas.microsoft.com/office/powerpoint/2012/main"/>
+    </p:ext>
+  </p:extLst>
 </p:presentation>
 </file>
 
@@ -254,7 +259,7 @@
           <a:p>
             <a:fld id="{AD62049A-1156-9C41-A193-0935A35A050C}" type="datetimeFigureOut">
               <a:rPr kumimoji="1" lang="ko-KR" altLang="en-US" smtClean="0"/>
-              <a:t>2021. 5. 17.</a:t>
+              <a:t>2021. 5. 18.</a:t>
             </a:fld>
             <a:endParaRPr kumimoji="1" lang="ko-KR" altLang="en-US"/>
           </a:p>
@@ -452,7 +457,7 @@
           <a:p>
             <a:fld id="{AD62049A-1156-9C41-A193-0935A35A050C}" type="datetimeFigureOut">
               <a:rPr kumimoji="1" lang="ko-KR" altLang="en-US" smtClean="0"/>
-              <a:t>2021. 5. 17.</a:t>
+              <a:t>2021. 5. 18.</a:t>
             </a:fld>
             <a:endParaRPr kumimoji="1" lang="ko-KR" altLang="en-US"/>
           </a:p>
@@ -660,7 +665,7 @@
           <a:p>
             <a:fld id="{AD62049A-1156-9C41-A193-0935A35A050C}" type="datetimeFigureOut">
               <a:rPr kumimoji="1" lang="ko-KR" altLang="en-US" smtClean="0"/>
-              <a:t>2021. 5. 17.</a:t>
+              <a:t>2021. 5. 18.</a:t>
             </a:fld>
             <a:endParaRPr kumimoji="1" lang="ko-KR" altLang="en-US"/>
           </a:p>
@@ -858,7 +863,7 @@
           <a:p>
             <a:fld id="{AD62049A-1156-9C41-A193-0935A35A050C}" type="datetimeFigureOut">
               <a:rPr kumimoji="1" lang="ko-KR" altLang="en-US" smtClean="0"/>
-              <a:t>2021. 5. 17.</a:t>
+              <a:t>2021. 5. 18.</a:t>
             </a:fld>
             <a:endParaRPr kumimoji="1" lang="ko-KR" altLang="en-US"/>
           </a:p>
@@ -1133,7 +1138,7 @@
           <a:p>
             <a:fld id="{AD62049A-1156-9C41-A193-0935A35A050C}" type="datetimeFigureOut">
               <a:rPr kumimoji="1" lang="ko-KR" altLang="en-US" smtClean="0"/>
-              <a:t>2021. 5. 17.</a:t>
+              <a:t>2021. 5. 18.</a:t>
             </a:fld>
             <a:endParaRPr kumimoji="1" lang="ko-KR" altLang="en-US"/>
           </a:p>
@@ -1398,7 +1403,7 @@
           <a:p>
             <a:fld id="{AD62049A-1156-9C41-A193-0935A35A050C}" type="datetimeFigureOut">
               <a:rPr kumimoji="1" lang="ko-KR" altLang="en-US" smtClean="0"/>
-              <a:t>2021. 5. 17.</a:t>
+              <a:t>2021. 5. 18.</a:t>
             </a:fld>
             <a:endParaRPr kumimoji="1" lang="ko-KR" altLang="en-US"/>
           </a:p>
@@ -1810,7 +1815,7 @@
           <a:p>
             <a:fld id="{AD62049A-1156-9C41-A193-0935A35A050C}" type="datetimeFigureOut">
               <a:rPr kumimoji="1" lang="ko-KR" altLang="en-US" smtClean="0"/>
-              <a:t>2021. 5. 17.</a:t>
+              <a:t>2021. 5. 18.</a:t>
             </a:fld>
             <a:endParaRPr kumimoji="1" lang="ko-KR" altLang="en-US"/>
           </a:p>
@@ -1951,7 +1956,7 @@
           <a:p>
             <a:fld id="{AD62049A-1156-9C41-A193-0935A35A050C}" type="datetimeFigureOut">
               <a:rPr kumimoji="1" lang="ko-KR" altLang="en-US" smtClean="0"/>
-              <a:t>2021. 5. 17.</a:t>
+              <a:t>2021. 5. 18.</a:t>
             </a:fld>
             <a:endParaRPr kumimoji="1" lang="ko-KR" altLang="en-US"/>
           </a:p>
@@ -2064,7 +2069,7 @@
           <a:p>
             <a:fld id="{AD62049A-1156-9C41-A193-0935A35A050C}" type="datetimeFigureOut">
               <a:rPr kumimoji="1" lang="ko-KR" altLang="en-US" smtClean="0"/>
-              <a:t>2021. 5. 17.</a:t>
+              <a:t>2021. 5. 18.</a:t>
             </a:fld>
             <a:endParaRPr kumimoji="1" lang="ko-KR" altLang="en-US"/>
           </a:p>
@@ -2375,7 +2380,7 @@
           <a:p>
             <a:fld id="{AD62049A-1156-9C41-A193-0935A35A050C}" type="datetimeFigureOut">
               <a:rPr kumimoji="1" lang="ko-KR" altLang="en-US" smtClean="0"/>
-              <a:t>2021. 5. 17.</a:t>
+              <a:t>2021. 5. 18.</a:t>
             </a:fld>
             <a:endParaRPr kumimoji="1" lang="ko-KR" altLang="en-US"/>
           </a:p>
@@ -2663,7 +2668,7 @@
           <a:p>
             <a:fld id="{AD62049A-1156-9C41-A193-0935A35A050C}" type="datetimeFigureOut">
               <a:rPr kumimoji="1" lang="ko-KR" altLang="en-US" smtClean="0"/>
-              <a:t>2021. 5. 17.</a:t>
+              <a:t>2021. 5. 18.</a:t>
             </a:fld>
             <a:endParaRPr kumimoji="1" lang="ko-KR" altLang="en-US"/>
           </a:p>
@@ -2904,7 +2909,7 @@
           <a:p>
             <a:fld id="{AD62049A-1156-9C41-A193-0935A35A050C}" type="datetimeFigureOut">
               <a:rPr kumimoji="1" lang="ko-KR" altLang="en-US" smtClean="0"/>
-              <a:t>2021. 5. 17.</a:t>
+              <a:t>2021. 5. 18.</a:t>
             </a:fld>
             <a:endParaRPr kumimoji="1" lang="ko-KR" altLang="en-US"/>
           </a:p>
@@ -3321,56 +3326,511 @@
           <a:chExt cx="0" cy="0"/>
         </a:xfrm>
       </p:grpSpPr>
-      <p:sp>
-        <p:nvSpPr>
-          <p:cNvPr id="2" name="제목 1">
-            <a:extLst>
-              <a:ext uri="{FF2B5EF4-FFF2-40B4-BE49-F238E27FC236}">
-                <a16:creationId xmlns:a16="http://schemas.microsoft.com/office/drawing/2014/main" id="{34344733-92FB-9E46-9C62-10FC3A4021B4}"/>
-              </a:ext>
-            </a:extLst>
-          </p:cNvPr>
-          <p:cNvSpPr>
-            <a:spLocks noGrp="1"/>
-          </p:cNvSpPr>
-          <p:nvPr>
-            <p:ph type="ctrTitle"/>
-          </p:nvPr>
-        </p:nvSpPr>
-        <p:spPr/>
-        <p:txBody>
-          <a:bodyPr/>
-          <a:lstStyle/>
-          <a:p>
+      <p:pic>
+        <p:nvPicPr>
+          <p:cNvPr id="4" name="Picture 2">
+            <a:extLst>
+              <a:ext uri="{FF2B5EF4-FFF2-40B4-BE49-F238E27FC236}">
+                <a16:creationId xmlns:a16="http://schemas.microsoft.com/office/drawing/2014/main" id="{13DE6623-FFD8-B54A-8C39-237636651CBA}"/>
+              </a:ext>
+            </a:extLst>
+          </p:cNvPr>
+          <p:cNvPicPr>
+            <a:picLocks noChangeAspect="1" noChangeArrowheads="1"/>
+          </p:cNvPicPr>
+          <p:nvPr/>
+        </p:nvPicPr>
+        <p:blipFill>
+          <a:blip r:embed="rId2">
+            <a:extLst>
+              <a:ext uri="{28A0092B-C50C-407E-A947-70E740481C1C}">
+                <a14:useLocalDpi xmlns:a14="http://schemas.microsoft.com/office/drawing/2010/main" val="0"/>
+              </a:ext>
+            </a:extLst>
+          </a:blip>
+          <a:srcRect/>
+          <a:stretch>
+            <a:fillRect/>
+          </a:stretch>
+        </p:blipFill>
+        <p:spPr bwMode="auto">
+          <a:xfrm>
+            <a:off x="4420099" y="2991064"/>
+            <a:ext cx="1415622" cy="872644"/>
+          </a:xfrm>
+          <a:prstGeom prst="rect">
+            <a:avLst/>
+          </a:prstGeom>
+          <a:noFill/>
+          <a:extLst>
+            <a:ext uri="{909E8E84-426E-40DD-AFC4-6F175D3DCCD1}">
+              <a14:hiddenFill xmlns:a14="http://schemas.microsoft.com/office/drawing/2010/main">
+                <a:solidFill>
+                  <a:srgbClr val="FFFFFF"/>
+                </a:solidFill>
+              </a14:hiddenFill>
+            </a:ext>
+          </a:extLst>
+        </p:spPr>
+      </p:pic>
+      <p:sp>
+        <p:nvSpPr>
+          <p:cNvPr id="5" name="직사각형 4">
+            <a:extLst>
+              <a:ext uri="{FF2B5EF4-FFF2-40B4-BE49-F238E27FC236}">
+                <a16:creationId xmlns:a16="http://schemas.microsoft.com/office/drawing/2014/main" id="{66D4F834-93DB-3C43-A89F-77C8E4578C0A}"/>
+              </a:ext>
+            </a:extLst>
+          </p:cNvPr>
+          <p:cNvSpPr/>
+          <p:nvPr/>
+        </p:nvSpPr>
+        <p:spPr>
+          <a:xfrm>
+            <a:off x="5609690" y="2897312"/>
+            <a:ext cx="318499" cy="1202077"/>
+          </a:xfrm>
+          <a:prstGeom prst="rect">
+            <a:avLst/>
+          </a:prstGeom>
+          <a:solidFill>
+            <a:schemeClr val="bg1"/>
+          </a:solidFill>
+          <a:ln>
+            <a:noFill/>
+          </a:ln>
+        </p:spPr>
+        <p:style>
+          <a:lnRef idx="2">
+            <a:schemeClr val="accent1">
+              <a:shade val="50000"/>
+            </a:schemeClr>
+          </a:lnRef>
+          <a:fillRef idx="1">
+            <a:schemeClr val="accent1"/>
+          </a:fillRef>
+          <a:effectRef idx="0">
+            <a:schemeClr val="accent1"/>
+          </a:effectRef>
+          <a:fontRef idx="minor">
+            <a:schemeClr val="lt1"/>
+          </a:fontRef>
+        </p:style>
+        <p:txBody>
+          <a:bodyPr rtlCol="0" anchor="ctr"/>
+          <a:lstStyle/>
+          <a:p>
+            <a:pPr algn="ctr"/>
             <a:endParaRPr kumimoji="1" lang="ko-KR" altLang="en-US"/>
           </a:p>
         </p:txBody>
       </p:sp>
       <p:sp>
         <p:nvSpPr>
-          <p:cNvPr id="3" name="부제목 2">
-            <a:extLst>
-              <a:ext uri="{FF2B5EF4-FFF2-40B4-BE49-F238E27FC236}">
-                <a16:creationId xmlns:a16="http://schemas.microsoft.com/office/drawing/2014/main" id="{BFF43BF6-E6B5-3A41-9001-0D4041B35D01}"/>
-              </a:ext>
-            </a:extLst>
-          </p:cNvPr>
-          <p:cNvSpPr>
-            <a:spLocks noGrp="1"/>
-          </p:cNvSpPr>
-          <p:nvPr>
-            <p:ph type="subTitle" idx="1"/>
-          </p:nvPr>
-        </p:nvSpPr>
-        <p:spPr/>
-        <p:txBody>
-          <a:bodyPr/>
-          <a:lstStyle/>
-          <a:p>
-            <a:endParaRPr kumimoji="1" lang="ko-KR" altLang="en-US"/>
-          </a:p>
-        </p:txBody>
-      </p:sp>
+          <p:cNvPr id="6" name="TextBox 5">
+            <a:extLst>
+              <a:ext uri="{FF2B5EF4-FFF2-40B4-BE49-F238E27FC236}">
+                <a16:creationId xmlns:a16="http://schemas.microsoft.com/office/drawing/2014/main" id="{7B5EC1C9-2D6A-A146-B80C-CF9FDD62E8A7}"/>
+              </a:ext>
+            </a:extLst>
+          </p:cNvPr>
+          <p:cNvSpPr txBox="1"/>
+          <p:nvPr/>
+        </p:nvSpPr>
+        <p:spPr>
+          <a:xfrm>
+            <a:off x="5773578" y="2999012"/>
+            <a:ext cx="1335640" cy="369332"/>
+          </a:xfrm>
+          <a:prstGeom prst="rect">
+            <a:avLst/>
+          </a:prstGeom>
+          <a:noFill/>
+        </p:spPr>
+        <p:txBody>
+          <a:bodyPr wrap="square" rtlCol="0">
+            <a:spAutoFit/>
+          </a:bodyPr>
+          <a:lstStyle/>
+          <a:p>
+            <a:r>
+              <a:rPr kumimoji="1" lang="en-US" altLang="ko-KR" b="1" dirty="0">
+                <a:latin typeface="NanumGothic" panose="020D0604000000000000" pitchFamily="34" charset="-127"/>
+                <a:ea typeface="NanumGothic" panose="020D0604000000000000" pitchFamily="34" charset="-127"/>
+              </a:rPr>
+              <a:t>If n is even</a:t>
+            </a:r>
+            <a:endParaRPr kumimoji="1" lang="ko-KR" altLang="en-US" b="1" dirty="0">
+              <a:latin typeface="NanumGothic" panose="020D0604000000000000" pitchFamily="34" charset="-127"/>
+              <a:ea typeface="NanumGothic" panose="020D0604000000000000" pitchFamily="34" charset="-127"/>
+            </a:endParaRPr>
+          </a:p>
+        </p:txBody>
+      </p:sp>
+      <p:sp>
+        <p:nvSpPr>
+          <p:cNvPr id="7" name="TextBox 6">
+            <a:extLst>
+              <a:ext uri="{FF2B5EF4-FFF2-40B4-BE49-F238E27FC236}">
+                <a16:creationId xmlns:a16="http://schemas.microsoft.com/office/drawing/2014/main" id="{8AD14058-8631-3240-A960-0031677AEBD6}"/>
+              </a:ext>
+            </a:extLst>
+          </p:cNvPr>
+          <p:cNvSpPr txBox="1"/>
+          <p:nvPr/>
+        </p:nvSpPr>
+        <p:spPr>
+          <a:xfrm>
+            <a:off x="5782140" y="3462096"/>
+            <a:ext cx="1335640" cy="369332"/>
+          </a:xfrm>
+          <a:prstGeom prst="rect">
+            <a:avLst/>
+          </a:prstGeom>
+          <a:noFill/>
+        </p:spPr>
+        <p:txBody>
+          <a:bodyPr wrap="square" rtlCol="0">
+            <a:spAutoFit/>
+          </a:bodyPr>
+          <a:lstStyle/>
+          <a:p>
+            <a:r>
+              <a:rPr kumimoji="1" lang="en-US" altLang="ko-KR" b="1" dirty="0">
+                <a:latin typeface="NanumGothic" panose="020D0604000000000000" pitchFamily="34" charset="-127"/>
+                <a:ea typeface="NanumGothic" panose="020D0604000000000000" pitchFamily="34" charset="-127"/>
+              </a:rPr>
+              <a:t>If n is odd</a:t>
+            </a:r>
+            <a:endParaRPr kumimoji="1" lang="ko-KR" altLang="en-US" b="1" dirty="0">
+              <a:latin typeface="NanumGothic" panose="020D0604000000000000" pitchFamily="34" charset="-127"/>
+              <a:ea typeface="NanumGothic" panose="020D0604000000000000" pitchFamily="34" charset="-127"/>
+            </a:endParaRPr>
+          </a:p>
+        </p:txBody>
+      </p:sp>
+      <mc:AlternateContent xmlns:mc="http://schemas.openxmlformats.org/markup-compatibility/2006">
+        <mc:Choice xmlns:a14="http://schemas.microsoft.com/office/drawing/2010/main" Requires="a14">
+          <p:sp>
+            <p:nvSpPr>
+              <p:cNvPr id="2" name="TextBox 1">
+                <a:extLst>
+                  <a:ext uri="{FF2B5EF4-FFF2-40B4-BE49-F238E27FC236}">
+                    <a16:creationId xmlns:a16="http://schemas.microsoft.com/office/drawing/2014/main" id="{45302AC2-14CC-9C4E-B369-9BC4112D4ECA}"/>
+                  </a:ext>
+                </a:extLst>
+              </p:cNvPr>
+              <p:cNvSpPr txBox="1"/>
+              <p:nvPr/>
+            </p:nvSpPr>
+            <p:spPr>
+              <a:xfrm>
+                <a:off x="2766515" y="618564"/>
+                <a:ext cx="2506392" cy="1077026"/>
+              </a:xfrm>
+              <a:prstGeom prst="rect">
+                <a:avLst/>
+              </a:prstGeom>
+              <a:noFill/>
+            </p:spPr>
+            <p:txBody>
+              <a:bodyPr wrap="none" lIns="0" tIns="0" rIns="0" bIns="0" rtlCol="0">
+                <a:spAutoFit/>
+              </a:bodyPr>
+              <a:lstStyle/>
+              <a:p>
+                <a14:m>
+                  <m:oMathPara xmlns:m="http://schemas.openxmlformats.org/officeDocument/2006/math">
+                    <m:oMathParaPr>
+                      <m:jc m:val="centerGroup"/>
+                    </m:oMathParaPr>
+                    <m:oMath xmlns:m="http://schemas.openxmlformats.org/officeDocument/2006/math">
+                      <m:d>
+                        <m:dPr>
+                          <m:begChr m:val="{"/>
+                          <m:endChr m:val=""/>
+                          <m:ctrlPr>
+                            <a:rPr kumimoji="1" lang="en-US" altLang="ko-KR" i="1" smtClean="0">
+                              <a:latin typeface="Cambria Math" panose="02040503050406030204" pitchFamily="18" charset="0"/>
+                            </a:rPr>
+                          </m:ctrlPr>
+                        </m:dPr>
+                        <m:e>
+                          <m:eqArr>
+                            <m:eqArrPr>
+                              <m:ctrlPr>
+                                <a:rPr kumimoji="1" lang="en-US" altLang="ko-KR" i="1" smtClean="0">
+                                  <a:latin typeface="Cambria Math" panose="02040503050406030204" pitchFamily="18" charset="0"/>
+                                </a:rPr>
+                              </m:ctrlPr>
+                            </m:eqArrPr>
+                            <m:e>
+                              <m:f>
+                                <m:fPr>
+                                  <m:ctrlPr>
+                                    <a:rPr kumimoji="1" lang="en-US" altLang="ko-KR" i="1" smtClean="0">
+                                      <a:latin typeface="Cambria Math" panose="02040503050406030204" pitchFamily="18" charset="0"/>
+                                    </a:rPr>
+                                  </m:ctrlPr>
+                                </m:fPr>
+                                <m:num>
+                                  <m:r>
+                                    <a:rPr kumimoji="1" lang="en-US" altLang="ko-KR" b="0" i="1" smtClean="0">
+                                      <a:latin typeface="Cambria Math" panose="02040503050406030204" pitchFamily="18" charset="0"/>
+                                    </a:rPr>
+                                    <m:t>3</m:t>
+                                  </m:r>
+                                  <m:r>
+                                    <a:rPr kumimoji="1" lang="en-US" altLang="ko-KR" b="0" i="1" smtClean="0">
+                                      <a:latin typeface="Cambria Math" panose="02040503050406030204" pitchFamily="18" charset="0"/>
+                                    </a:rPr>
+                                    <m:t>𝑛</m:t>
+                                  </m:r>
+                                </m:num>
+                                <m:den>
+                                  <m:r>
+                                    <a:rPr kumimoji="1" lang="en-US" altLang="ko-KR" b="0" i="1" smtClean="0">
+                                      <a:latin typeface="Cambria Math" panose="02040503050406030204" pitchFamily="18" charset="0"/>
+                                    </a:rPr>
+                                    <m:t>2</m:t>
+                                  </m:r>
+                                </m:den>
+                              </m:f>
+                              <m:r>
+                                <a:rPr kumimoji="1" lang="en-US" altLang="ko-KR" b="0" i="1" smtClean="0">
+                                  <a:latin typeface="Cambria Math" panose="02040503050406030204" pitchFamily="18" charset="0"/>
+                                </a:rPr>
+                                <m:t> −2  (</m:t>
+                              </m:r>
+                              <m:r>
+                                <a:rPr kumimoji="1" lang="en-US" altLang="ko-KR" b="0" i="1" smtClean="0">
+                                  <a:latin typeface="Cambria Math" panose="02040503050406030204" pitchFamily="18" charset="0"/>
+                                </a:rPr>
+                                <m:t>𝑖𝑓</m:t>
+                              </m:r>
+                              <m:r>
+                                <a:rPr kumimoji="1" lang="en-US" altLang="ko-KR" b="0" i="1" smtClean="0">
+                                  <a:latin typeface="Cambria Math" panose="02040503050406030204" pitchFamily="18" charset="0"/>
+                                </a:rPr>
+                                <m:t> </m:t>
+                              </m:r>
+                              <m:r>
+                                <a:rPr kumimoji="1" lang="en-US" altLang="ko-KR" b="0" i="1" smtClean="0">
+                                  <a:latin typeface="Cambria Math" panose="02040503050406030204" pitchFamily="18" charset="0"/>
+                                </a:rPr>
+                                <m:t>𝑛</m:t>
+                              </m:r>
+                              <m:r>
+                                <a:rPr kumimoji="1" lang="en-US" altLang="ko-KR" b="0" i="1" smtClean="0">
+                                  <a:latin typeface="Cambria Math" panose="02040503050406030204" pitchFamily="18" charset="0"/>
+                                </a:rPr>
+                                <m:t> </m:t>
+                              </m:r>
+                              <m:r>
+                                <a:rPr kumimoji="1" lang="en-US" altLang="ko-KR" b="0" i="1" smtClean="0">
+                                  <a:latin typeface="Cambria Math" panose="02040503050406030204" pitchFamily="18" charset="0"/>
+                                </a:rPr>
+                                <m:t>𝑖𝑠</m:t>
+                              </m:r>
+                              <m:r>
+                                <a:rPr kumimoji="1" lang="en-US" altLang="ko-KR" b="0" i="1" smtClean="0">
+                                  <a:latin typeface="Cambria Math" panose="02040503050406030204" pitchFamily="18" charset="0"/>
+                                </a:rPr>
+                                <m:t> </m:t>
+                              </m:r>
+                              <m:r>
+                                <a:rPr kumimoji="1" lang="en-US" altLang="ko-KR" b="0" i="1" smtClean="0">
+                                  <a:latin typeface="Cambria Math" panose="02040503050406030204" pitchFamily="18" charset="0"/>
+                                </a:rPr>
+                                <m:t>𝑒𝑣𝑒𝑛</m:t>
+                              </m:r>
+                              <m:r>
+                                <a:rPr kumimoji="1" lang="en-US" altLang="ko-KR" b="0" i="1" smtClean="0">
+                                  <a:latin typeface="Cambria Math" panose="02040503050406030204" pitchFamily="18" charset="0"/>
+                                </a:rPr>
+                                <m:t>)</m:t>
+                              </m:r>
+                            </m:e>
+                            <m:e>
+                              <m:f>
+                                <m:fPr>
+                                  <m:ctrlPr>
+                                    <a:rPr kumimoji="1" lang="en-US" altLang="ko-KR" i="1" smtClean="0">
+                                      <a:latin typeface="Cambria Math" panose="02040503050406030204" pitchFamily="18" charset="0"/>
+                                    </a:rPr>
+                                  </m:ctrlPr>
+                                </m:fPr>
+                                <m:num>
+                                  <m:r>
+                                    <a:rPr kumimoji="1" lang="en-US" altLang="ko-KR" b="0" i="1" smtClean="0">
+                                      <a:latin typeface="Cambria Math" panose="02040503050406030204" pitchFamily="18" charset="0"/>
+                                    </a:rPr>
+                                    <m:t>3</m:t>
+                                  </m:r>
+                                  <m:r>
+                                    <a:rPr kumimoji="1" lang="en-US" altLang="ko-KR" b="0" i="1" smtClean="0">
+                                      <a:latin typeface="Cambria Math" panose="02040503050406030204" pitchFamily="18" charset="0"/>
+                                    </a:rPr>
+                                    <m:t>𝑛</m:t>
+                                  </m:r>
+                                </m:num>
+                                <m:den>
+                                  <m:r>
+                                    <a:rPr kumimoji="1" lang="en-US" altLang="ko-KR" b="0" i="1" smtClean="0">
+                                      <a:latin typeface="Cambria Math" panose="02040503050406030204" pitchFamily="18" charset="0"/>
+                                    </a:rPr>
+                                    <m:t>2</m:t>
+                                  </m:r>
+                                </m:den>
+                              </m:f>
+                              <m:r>
+                                <a:rPr kumimoji="1" lang="en-US" altLang="ko-KR" b="0" i="1" smtClean="0">
+                                  <a:latin typeface="Cambria Math" panose="02040503050406030204" pitchFamily="18" charset="0"/>
+                                </a:rPr>
+                                <m:t> − </m:t>
+                              </m:r>
+                              <m:f>
+                                <m:fPr>
+                                  <m:ctrlPr>
+                                    <a:rPr kumimoji="1" lang="en-US" altLang="ko-KR" b="0" i="1" smtClean="0">
+                                      <a:latin typeface="Cambria Math" panose="02040503050406030204" pitchFamily="18" charset="0"/>
+                                    </a:rPr>
+                                  </m:ctrlPr>
+                                </m:fPr>
+                                <m:num>
+                                  <m:r>
+                                    <a:rPr kumimoji="1" lang="en-US" altLang="ko-KR" b="0" i="1" smtClean="0">
+                                      <a:latin typeface="Cambria Math" panose="02040503050406030204" pitchFamily="18" charset="0"/>
+                                    </a:rPr>
+                                    <m:t>3</m:t>
+                                  </m:r>
+                                </m:num>
+                                <m:den>
+                                  <m:r>
+                                    <a:rPr kumimoji="1" lang="en-US" altLang="ko-KR" b="0" i="1" smtClean="0">
+                                      <a:latin typeface="Cambria Math" panose="02040503050406030204" pitchFamily="18" charset="0"/>
+                                    </a:rPr>
+                                    <m:t>2</m:t>
+                                  </m:r>
+                                </m:den>
+                              </m:f>
+                              <m:r>
+                                <a:rPr kumimoji="1" lang="en-US" altLang="ko-KR" b="0" i="1" smtClean="0">
+                                  <a:latin typeface="Cambria Math" panose="02040503050406030204" pitchFamily="18" charset="0"/>
+                                </a:rPr>
+                                <m:t> (</m:t>
+                              </m:r>
+                              <m:r>
+                                <a:rPr kumimoji="1" lang="en-US" altLang="ko-KR" b="0" i="1" smtClean="0">
+                                  <a:latin typeface="Cambria Math" panose="02040503050406030204" pitchFamily="18" charset="0"/>
+                                </a:rPr>
+                                <m:t>𝑖𝑓</m:t>
+                              </m:r>
+                              <m:r>
+                                <a:rPr kumimoji="1" lang="en-US" altLang="ko-KR" b="0" i="1" smtClean="0">
+                                  <a:latin typeface="Cambria Math" panose="02040503050406030204" pitchFamily="18" charset="0"/>
+                                </a:rPr>
+                                <m:t> </m:t>
+                              </m:r>
+                              <m:r>
+                                <a:rPr kumimoji="1" lang="en-US" altLang="ko-KR" b="0" i="1" smtClean="0">
+                                  <a:latin typeface="Cambria Math" panose="02040503050406030204" pitchFamily="18" charset="0"/>
+                                </a:rPr>
+                                <m:t>𝑛</m:t>
+                              </m:r>
+                              <m:r>
+                                <a:rPr kumimoji="1" lang="en-US" altLang="ko-KR" b="0" i="1" smtClean="0">
+                                  <a:latin typeface="Cambria Math" panose="02040503050406030204" pitchFamily="18" charset="0"/>
+                                </a:rPr>
+                                <m:t> </m:t>
+                              </m:r>
+                              <m:r>
+                                <a:rPr kumimoji="1" lang="en-US" altLang="ko-KR" b="0" i="1" smtClean="0">
+                                  <a:latin typeface="Cambria Math" panose="02040503050406030204" pitchFamily="18" charset="0"/>
+                                </a:rPr>
+                                <m:t>𝑖𝑠</m:t>
+                              </m:r>
+                              <m:r>
+                                <a:rPr kumimoji="1" lang="en-US" altLang="ko-KR" b="0" i="1" smtClean="0">
+                                  <a:latin typeface="Cambria Math" panose="02040503050406030204" pitchFamily="18" charset="0"/>
+                                </a:rPr>
+                                <m:t> </m:t>
+                              </m:r>
+                              <m:r>
+                                <a:rPr kumimoji="1" lang="en-US" altLang="ko-KR" b="0" i="1" smtClean="0">
+                                  <a:latin typeface="Cambria Math" panose="02040503050406030204" pitchFamily="18" charset="0"/>
+                                </a:rPr>
+                                <m:t>𝑜𝑑𝑑</m:t>
+                              </m:r>
+                              <m:r>
+                                <a:rPr kumimoji="1" lang="en-US" altLang="ko-KR" b="0" i="1" smtClean="0">
+                                  <a:latin typeface="Cambria Math" panose="02040503050406030204" pitchFamily="18" charset="0"/>
+                                </a:rPr>
+                                <m:t>)</m:t>
+                              </m:r>
+                            </m:e>
+                          </m:eqArr>
+                          <m:r>
+                            <a:rPr kumimoji="1" lang="en-US" altLang="ko-KR" b="0" i="1" smtClean="0">
+                              <a:latin typeface="Cambria Math" panose="02040503050406030204" pitchFamily="18" charset="0"/>
+                            </a:rPr>
+                            <m:t> </m:t>
+                          </m:r>
+                        </m:e>
+                      </m:d>
+                    </m:oMath>
+                  </m:oMathPara>
+                </a14:m>
+                <a:endParaRPr kumimoji="1" lang="ko-KR" altLang="en-US" dirty="0"/>
+              </a:p>
+            </p:txBody>
+          </p:sp>
+        </mc:Choice>
+        <mc:Fallback>
+          <p:sp>
+            <p:nvSpPr>
+              <p:cNvPr id="2" name="TextBox 1">
+                <a:extLst>
+                  <a:ext uri="{FF2B5EF4-FFF2-40B4-BE49-F238E27FC236}">
+                    <a16:creationId xmlns:a16="http://schemas.microsoft.com/office/drawing/2014/main" id="{45302AC2-14CC-9C4E-B369-9BC4112D4ECA}"/>
+                  </a:ext>
+                </a:extLst>
+              </p:cNvPr>
+              <p:cNvSpPr txBox="1">
+                <a:spLocks noRot="1" noChangeAspect="1" noMove="1" noResize="1" noEditPoints="1" noAdjustHandles="1" noChangeArrowheads="1" noChangeShapeType="1" noTextEdit="1"/>
+              </p:cNvSpPr>
+              <p:nvPr/>
+            </p:nvSpPr>
+            <p:spPr>
+              <a:xfrm>
+                <a:off x="2766515" y="618564"/>
+                <a:ext cx="2506392" cy="1077026"/>
+              </a:xfrm>
+              <a:prstGeom prst="rect">
+                <a:avLst/>
+              </a:prstGeom>
+              <a:blipFill>
+                <a:blip r:embed="rId3"/>
+                <a:stretch>
+                  <a:fillRect l="-74372" t="-218605" r="-2010" b="-309302"/>
+                </a:stretch>
+              </a:blipFill>
+            </p:spPr>
+            <p:txBody>
+              <a:bodyPr/>
+              <a:lstStyle/>
+              <a:p>
+                <a:r>
+                  <a:rPr lang="ko-KR" altLang="en-US">
+                    <a:noFill/>
+                  </a:rPr>
+                  <a:t> </a:t>
+                </a:r>
+              </a:p>
+            </p:txBody>
+          </p:sp>
+        </mc:Fallback>
+      </mc:AlternateContent>
     </p:spTree>
     <p:extLst>
       <p:ext uri="{BB962C8B-B14F-4D97-AF65-F5344CB8AC3E}">
